--- a/images/theory_analysis/Elasticsearch_Shard_Replica/Elasticsearch_Shard_Replica.pptx
+++ b/images/theory_analysis/Elasticsearch_Shard_Replica/Elasticsearch_Shard_Replica.pptx
@@ -215,7 +215,7 @@
           <a:p>
             <a:fld id="{6CD5550B-26C4-49A9-A5BA-636EF7BE6CE9}" type="datetimeFigureOut">
               <a:rPr lang="ko-KR" altLang="en-US" smtClean="0"/>
-              <a:t>2020-05-07</a:t>
+              <a:t>2020-05-09</a:t>
             </a:fld>
             <a:endParaRPr lang="ko-KR" altLang="en-US"/>
           </a:p>
@@ -661,7 +661,7 @@
           <a:p>
             <a:fld id="{FB30EDBD-1C2D-4C1E-B459-B60219FAB484}" type="datetimeFigureOut">
               <a:rPr lang="ko-KR" altLang="en-US" smtClean="0"/>
-              <a:t>2020-05-07</a:t>
+              <a:t>2020-05-09</a:t>
             </a:fld>
             <a:endParaRPr lang="ko-KR" altLang="en-US"/>
           </a:p>
@@ -824,7 +824,7 @@
           <a:p>
             <a:fld id="{FB30EDBD-1C2D-4C1E-B459-B60219FAB484}" type="datetimeFigureOut">
               <a:rPr lang="ko-KR" altLang="en-US" smtClean="0"/>
-              <a:t>2020-05-07</a:t>
+              <a:t>2020-05-09</a:t>
             </a:fld>
             <a:endParaRPr lang="ko-KR" altLang="en-US"/>
           </a:p>
@@ -997,7 +997,7 @@
           <a:p>
             <a:fld id="{FB30EDBD-1C2D-4C1E-B459-B60219FAB484}" type="datetimeFigureOut">
               <a:rPr lang="ko-KR" altLang="en-US" smtClean="0"/>
-              <a:t>2020-05-07</a:t>
+              <a:t>2020-05-09</a:t>
             </a:fld>
             <a:endParaRPr lang="ko-KR" altLang="en-US"/>
           </a:p>
@@ -1160,7 +1160,7 @@
           <a:p>
             <a:fld id="{FB30EDBD-1C2D-4C1E-B459-B60219FAB484}" type="datetimeFigureOut">
               <a:rPr lang="ko-KR" altLang="en-US" smtClean="0"/>
-              <a:t>2020-05-07</a:t>
+              <a:t>2020-05-09</a:t>
             </a:fld>
             <a:endParaRPr lang="ko-KR" altLang="en-US"/>
           </a:p>
@@ -1400,7 +1400,7 @@
           <a:p>
             <a:fld id="{FB30EDBD-1C2D-4C1E-B459-B60219FAB484}" type="datetimeFigureOut">
               <a:rPr lang="ko-KR" altLang="en-US" smtClean="0"/>
-              <a:t>2020-05-07</a:t>
+              <a:t>2020-05-09</a:t>
             </a:fld>
             <a:endParaRPr lang="ko-KR" altLang="en-US"/>
           </a:p>
@@ -1680,7 +1680,7 @@
           <a:p>
             <a:fld id="{FB30EDBD-1C2D-4C1E-B459-B60219FAB484}" type="datetimeFigureOut">
               <a:rPr lang="ko-KR" altLang="en-US" smtClean="0"/>
-              <a:t>2020-05-07</a:t>
+              <a:t>2020-05-09</a:t>
             </a:fld>
             <a:endParaRPr lang="ko-KR" altLang="en-US"/>
           </a:p>
@@ -2094,7 +2094,7 @@
           <a:p>
             <a:fld id="{FB30EDBD-1C2D-4C1E-B459-B60219FAB484}" type="datetimeFigureOut">
               <a:rPr lang="ko-KR" altLang="en-US" smtClean="0"/>
-              <a:t>2020-05-07</a:t>
+              <a:t>2020-05-09</a:t>
             </a:fld>
             <a:endParaRPr lang="ko-KR" altLang="en-US"/>
           </a:p>
@@ -2206,7 +2206,7 @@
           <a:p>
             <a:fld id="{FB30EDBD-1C2D-4C1E-B459-B60219FAB484}" type="datetimeFigureOut">
               <a:rPr lang="ko-KR" altLang="en-US" smtClean="0"/>
-              <a:t>2020-05-07</a:t>
+              <a:t>2020-05-09</a:t>
             </a:fld>
             <a:endParaRPr lang="ko-KR" altLang="en-US"/>
           </a:p>
@@ -2296,7 +2296,7 @@
           <a:p>
             <a:fld id="{FB30EDBD-1C2D-4C1E-B459-B60219FAB484}" type="datetimeFigureOut">
               <a:rPr lang="ko-KR" altLang="en-US" smtClean="0"/>
-              <a:t>2020-05-07</a:t>
+              <a:t>2020-05-09</a:t>
             </a:fld>
             <a:endParaRPr lang="ko-KR" altLang="en-US"/>
           </a:p>
@@ -2566,7 +2566,7 @@
           <a:p>
             <a:fld id="{FB30EDBD-1C2D-4C1E-B459-B60219FAB484}" type="datetimeFigureOut">
               <a:rPr lang="ko-KR" altLang="en-US" smtClean="0"/>
-              <a:t>2020-05-07</a:t>
+              <a:t>2020-05-09</a:t>
             </a:fld>
             <a:endParaRPr lang="ko-KR" altLang="en-US"/>
           </a:p>
@@ -2813,7 +2813,7 @@
           <a:p>
             <a:fld id="{FB30EDBD-1C2D-4C1E-B459-B60219FAB484}" type="datetimeFigureOut">
               <a:rPr lang="ko-KR" altLang="en-US" smtClean="0"/>
-              <a:t>2020-05-07</a:t>
+              <a:t>2020-05-09</a:t>
             </a:fld>
             <a:endParaRPr lang="ko-KR" altLang="en-US"/>
           </a:p>
@@ -3019,7 +3019,7 @@
           <a:p>
             <a:fld id="{FB30EDBD-1C2D-4C1E-B459-B60219FAB484}" type="datetimeFigureOut">
               <a:rPr lang="ko-KR" altLang="en-US" smtClean="0"/>
-              <a:t>2020-05-07</a:t>
+              <a:t>2020-05-09</a:t>
             </a:fld>
             <a:endParaRPr lang="ko-KR" altLang="en-US"/>
           </a:p>
@@ -5773,7 +5773,7 @@
           </a:prstGeom>
           <a:ln w="28575">
             <a:solidFill>
-              <a:schemeClr val="tx1"/>
+              <a:srgbClr val="C00000"/>
             </a:solidFill>
           </a:ln>
         </p:spPr>
@@ -5816,7 +5816,7 @@
           </a:prstGeom>
           <a:ln w="28575">
             <a:solidFill>
-              <a:schemeClr val="tx1"/>
+              <a:srgbClr val="C00000"/>
             </a:solidFill>
           </a:ln>
         </p:spPr>
